--- a/Figures Editable/Hyperparameter Table.pptx
+++ b/Figures Editable/Hyperparameter Table.pptx
@@ -2,12 +2,12 @@
 <file path=ppt/presentation.xml><?xml version="1.0" encoding="utf-8"?>
 <p:presentation xmlns:a="http://schemas.openxmlformats.org/drawingml/2006/main" xmlns:r="http://schemas.openxmlformats.org/officeDocument/2006/relationships" xmlns:p="http://schemas.openxmlformats.org/presentationml/2006/main" saveSubsetFonts="1">
   <p:sldMasterIdLst>
-    <p:sldMasterId id="2147483732" r:id="rId1"/>
+    <p:sldMasterId id="2147483768" r:id="rId1"/>
   </p:sldMasterIdLst>
   <p:sldIdLst>
     <p:sldId id="256" r:id="rId2"/>
   </p:sldIdLst>
-  <p:sldSz cx="7772400" cy="1371600"/>
+  <p:sldSz cx="7589838" cy="1006475"/>
   <p:notesSz cx="6858000" cy="9144000"/>
   <p:defaultTextStyle>
     <a:defPPr>
@@ -113,7 +113,7 @@
 </file>
 
 <file path=ppt/slideLayouts/slideLayout1.xml><?xml version="1.0" encoding="utf-8"?>
-<p:sldLayout xmlns:a="http://schemas.openxmlformats.org/drawingml/2006/main" xmlns:r="http://schemas.openxmlformats.org/officeDocument/2006/relationships" xmlns:p="http://schemas.openxmlformats.org/presentationml/2006/main" showMasterSp="0" type="title" preserve="1">
+<p:sldLayout xmlns:a="http://schemas.openxmlformats.org/drawingml/2006/main" xmlns:r="http://schemas.openxmlformats.org/officeDocument/2006/relationships" xmlns:p="http://schemas.openxmlformats.org/presentationml/2006/main" type="title" preserve="1">
   <p:cSld name="Title Slide">
     <p:spTree>
       <p:nvGrpSpPr>
@@ -141,15 +141,15 @@
         </p:nvSpPr>
         <p:spPr>
           <a:xfrm>
-            <a:off x="971550" y="224473"/>
-            <a:ext cx="5829300" cy="477520"/>
+            <a:off x="948730" y="164717"/>
+            <a:ext cx="5692379" cy="350402"/>
           </a:xfrm>
         </p:spPr>
         <p:txBody>
           <a:bodyPr anchor="b"/>
           <a:lstStyle>
             <a:lvl1pPr algn="ctr">
-              <a:defRPr sz="1200"/>
+              <a:defRPr sz="881"/>
             </a:lvl1pPr>
           </a:lstStyle>
           <a:p>
@@ -173,8 +173,8 @@
         </p:nvSpPr>
         <p:spPr>
           <a:xfrm>
-            <a:off x="971550" y="720408"/>
-            <a:ext cx="5829300" cy="331152"/>
+            <a:off x="948730" y="528633"/>
+            <a:ext cx="5692379" cy="242998"/>
           </a:xfrm>
         </p:spPr>
         <p:txBody>
@@ -182,39 +182,39 @@
           <a:lstStyle>
             <a:lvl1pPr marL="0" indent="0" algn="ctr">
               <a:buNone/>
-              <a:defRPr sz="480"/>
+              <a:defRPr sz="352"/>
             </a:lvl1pPr>
-            <a:lvl2pPr marL="91440" indent="0" algn="ctr">
-              <a:buNone/>
-              <a:defRPr sz="400"/>
+            <a:lvl2pPr marL="67117" indent="0" algn="ctr">
+              <a:buNone/>
+              <a:defRPr sz="294"/>
             </a:lvl2pPr>
-            <a:lvl3pPr marL="182880" indent="0" algn="ctr">
-              <a:buNone/>
-              <a:defRPr sz="360"/>
+            <a:lvl3pPr marL="134234" indent="0" algn="ctr">
+              <a:buNone/>
+              <a:defRPr sz="264"/>
             </a:lvl3pPr>
-            <a:lvl4pPr marL="274320" indent="0" algn="ctr">
-              <a:buNone/>
-              <a:defRPr sz="320"/>
+            <a:lvl4pPr marL="201351" indent="0" algn="ctr">
+              <a:buNone/>
+              <a:defRPr sz="235"/>
             </a:lvl4pPr>
-            <a:lvl5pPr marL="365760" indent="0" algn="ctr">
-              <a:buNone/>
-              <a:defRPr sz="320"/>
+            <a:lvl5pPr marL="268468" indent="0" algn="ctr">
+              <a:buNone/>
+              <a:defRPr sz="235"/>
             </a:lvl5pPr>
-            <a:lvl6pPr marL="457200" indent="0" algn="ctr">
-              <a:buNone/>
-              <a:defRPr sz="320"/>
+            <a:lvl6pPr marL="335585" indent="0" algn="ctr">
+              <a:buNone/>
+              <a:defRPr sz="235"/>
             </a:lvl6pPr>
-            <a:lvl7pPr marL="548640" indent="0" algn="ctr">
-              <a:buNone/>
-              <a:defRPr sz="320"/>
+            <a:lvl7pPr marL="402702" indent="0" algn="ctr">
+              <a:buNone/>
+              <a:defRPr sz="235"/>
             </a:lvl7pPr>
-            <a:lvl8pPr marL="640080" indent="0" algn="ctr">
-              <a:buNone/>
-              <a:defRPr sz="320"/>
+            <a:lvl8pPr marL="469819" indent="0" algn="ctr">
+              <a:buNone/>
+              <a:defRPr sz="235"/>
             </a:lvl8pPr>
-            <a:lvl9pPr marL="731520" indent="0" algn="ctr">
-              <a:buNone/>
-              <a:defRPr sz="320"/>
+            <a:lvl9pPr marL="536936" indent="0" algn="ctr">
+              <a:buNone/>
+              <a:defRPr sz="235"/>
             </a:lvl9pPr>
           </a:lstStyle>
           <a:p>
@@ -243,7 +243,7 @@
           <a:p>
             <a:fld id="{F99D23C8-8B52-480B-9244-D8A0A6259B3B}" type="datetimeFigureOut">
               <a:rPr lang="en-US" smtClean="0"/>
-              <a:t>7/28/2021</a:t>
+              <a:t>7/30/2021</a:t>
             </a:fld>
             <a:endParaRPr lang="en-US"/>
           </a:p>
@@ -294,7 +294,7 @@
     </p:spTree>
     <p:extLst>
       <p:ext uri="{BB962C8B-B14F-4D97-AF65-F5344CB8AC3E}">
-        <p14:creationId xmlns:p14="http://schemas.microsoft.com/office/powerpoint/2010/main" val="3269334746"/>
+        <p14:creationId xmlns:p14="http://schemas.microsoft.com/office/powerpoint/2010/main" val="3858141307"/>
       </p:ext>
     </p:extLst>
   </p:cSld>
@@ -305,7 +305,7 @@
 </file>
 
 <file path=ppt/slideLayouts/slideLayout10.xml><?xml version="1.0" encoding="utf-8"?>
-<p:sldLayout xmlns:a="http://schemas.openxmlformats.org/drawingml/2006/main" xmlns:r="http://schemas.openxmlformats.org/officeDocument/2006/relationships" xmlns:p="http://schemas.openxmlformats.org/presentationml/2006/main" showMasterSp="0" type="vertTx" preserve="1">
+<p:sldLayout xmlns:a="http://schemas.openxmlformats.org/drawingml/2006/main" xmlns:r="http://schemas.openxmlformats.org/officeDocument/2006/relationships" xmlns:p="http://schemas.openxmlformats.org/presentationml/2006/main" type="vertTx" preserve="1">
   <p:cSld name="Title and Vertical Text">
     <p:spTree>
       <p:nvGrpSpPr>
@@ -413,7 +413,7 @@
           <a:p>
             <a:fld id="{F99D23C8-8B52-480B-9244-D8A0A6259B3B}" type="datetimeFigureOut">
               <a:rPr lang="en-US" smtClean="0"/>
-              <a:t>7/28/2021</a:t>
+              <a:t>7/30/2021</a:t>
             </a:fld>
             <a:endParaRPr lang="en-US"/>
           </a:p>
@@ -464,7 +464,7 @@
     </p:spTree>
     <p:extLst>
       <p:ext uri="{BB962C8B-B14F-4D97-AF65-F5344CB8AC3E}">
-        <p14:creationId xmlns:p14="http://schemas.microsoft.com/office/powerpoint/2010/main" val="4043273715"/>
+        <p14:creationId xmlns:p14="http://schemas.microsoft.com/office/powerpoint/2010/main" val="1554355056"/>
       </p:ext>
     </p:extLst>
   </p:cSld>
@@ -475,7 +475,7 @@
 </file>
 
 <file path=ppt/slideLayouts/slideLayout11.xml><?xml version="1.0" encoding="utf-8"?>
-<p:sldLayout xmlns:a="http://schemas.openxmlformats.org/drawingml/2006/main" xmlns:r="http://schemas.openxmlformats.org/officeDocument/2006/relationships" xmlns:p="http://schemas.openxmlformats.org/presentationml/2006/main" showMasterSp="0" type="vertTitleAndTx" preserve="1">
+<p:sldLayout xmlns:a="http://schemas.openxmlformats.org/drawingml/2006/main" xmlns:r="http://schemas.openxmlformats.org/officeDocument/2006/relationships" xmlns:p="http://schemas.openxmlformats.org/presentationml/2006/main" type="vertTitleAndTx" preserve="1">
   <p:cSld name="Vertical Title and Text">
     <p:spTree>
       <p:nvGrpSpPr>
@@ -503,8 +503,8 @@
         </p:nvSpPr>
         <p:spPr>
           <a:xfrm>
-            <a:off x="5562124" y="73025"/>
-            <a:ext cx="1675924" cy="1162368"/>
+            <a:off x="5431478" y="53585"/>
+            <a:ext cx="1636559" cy="852941"/>
           </a:xfrm>
         </p:spPr>
         <p:txBody>
@@ -531,8 +531,8 @@
         </p:nvSpPr>
         <p:spPr>
           <a:xfrm>
-            <a:off x="534353" y="73025"/>
-            <a:ext cx="4930616" cy="1162368"/>
+            <a:off x="521802" y="53585"/>
+            <a:ext cx="4814803" cy="852941"/>
           </a:xfrm>
         </p:spPr>
         <p:txBody>
@@ -593,7 +593,7 @@
           <a:p>
             <a:fld id="{F99D23C8-8B52-480B-9244-D8A0A6259B3B}" type="datetimeFigureOut">
               <a:rPr lang="en-US" smtClean="0"/>
-              <a:t>7/28/2021</a:t>
+              <a:t>7/30/2021</a:t>
             </a:fld>
             <a:endParaRPr lang="en-US"/>
           </a:p>
@@ -644,7 +644,7 @@
     </p:spTree>
     <p:extLst>
       <p:ext uri="{BB962C8B-B14F-4D97-AF65-F5344CB8AC3E}">
-        <p14:creationId xmlns:p14="http://schemas.microsoft.com/office/powerpoint/2010/main" val="4171732083"/>
+        <p14:creationId xmlns:p14="http://schemas.microsoft.com/office/powerpoint/2010/main" val="584380325"/>
       </p:ext>
     </p:extLst>
   </p:cSld>
@@ -655,7 +655,7 @@
 </file>
 
 <file path=ppt/slideLayouts/slideLayout2.xml><?xml version="1.0" encoding="utf-8"?>
-<p:sldLayout xmlns:a="http://schemas.openxmlformats.org/drawingml/2006/main" xmlns:r="http://schemas.openxmlformats.org/officeDocument/2006/relationships" xmlns:p="http://schemas.openxmlformats.org/presentationml/2006/main" showMasterSp="0" type="obj" preserve="1">
+<p:sldLayout xmlns:a="http://schemas.openxmlformats.org/drawingml/2006/main" xmlns:r="http://schemas.openxmlformats.org/officeDocument/2006/relationships" xmlns:p="http://schemas.openxmlformats.org/presentationml/2006/main" type="obj" preserve="1">
   <p:cSld name="Title and Content">
     <p:spTree>
       <p:nvGrpSpPr>
@@ -763,7 +763,7 @@
           <a:p>
             <a:fld id="{F99D23C8-8B52-480B-9244-D8A0A6259B3B}" type="datetimeFigureOut">
               <a:rPr lang="en-US" smtClean="0"/>
-              <a:t>7/28/2021</a:t>
+              <a:t>7/30/2021</a:t>
             </a:fld>
             <a:endParaRPr lang="en-US"/>
           </a:p>
@@ -814,7 +814,7 @@
     </p:spTree>
     <p:extLst>
       <p:ext uri="{BB962C8B-B14F-4D97-AF65-F5344CB8AC3E}">
-        <p14:creationId xmlns:p14="http://schemas.microsoft.com/office/powerpoint/2010/main" val="3927039343"/>
+        <p14:creationId xmlns:p14="http://schemas.microsoft.com/office/powerpoint/2010/main" val="3439156721"/>
       </p:ext>
     </p:extLst>
   </p:cSld>
@@ -825,7 +825,7 @@
 </file>
 
 <file path=ppt/slideLayouts/slideLayout3.xml><?xml version="1.0" encoding="utf-8"?>
-<p:sldLayout xmlns:a="http://schemas.openxmlformats.org/drawingml/2006/main" xmlns:r="http://schemas.openxmlformats.org/officeDocument/2006/relationships" xmlns:p="http://schemas.openxmlformats.org/presentationml/2006/main" showMasterSp="0" type="secHead" preserve="1">
+<p:sldLayout xmlns:a="http://schemas.openxmlformats.org/drawingml/2006/main" xmlns:r="http://schemas.openxmlformats.org/officeDocument/2006/relationships" xmlns:p="http://schemas.openxmlformats.org/presentationml/2006/main" type="secHead" preserve="1">
   <p:cSld name="Section Header">
     <p:spTree>
       <p:nvGrpSpPr>
@@ -853,15 +853,15 @@
         </p:nvSpPr>
         <p:spPr>
           <a:xfrm>
-            <a:off x="530304" y="341948"/>
-            <a:ext cx="6703695" cy="570547"/>
+            <a:off x="517848" y="250920"/>
+            <a:ext cx="6546235" cy="418666"/>
           </a:xfrm>
         </p:spPr>
         <p:txBody>
           <a:bodyPr anchor="b"/>
           <a:lstStyle>
             <a:lvl1pPr>
-              <a:defRPr sz="1200"/>
+              <a:defRPr sz="881"/>
             </a:lvl1pPr>
           </a:lstStyle>
           <a:p>
@@ -885,8 +885,8 @@
         </p:nvSpPr>
         <p:spPr>
           <a:xfrm>
-            <a:off x="530304" y="917893"/>
-            <a:ext cx="6703695" cy="300037"/>
+            <a:off x="517848" y="673546"/>
+            <a:ext cx="6546235" cy="220166"/>
           </a:xfrm>
         </p:spPr>
         <p:txBody>
@@ -894,7 +894,7 @@
           <a:lstStyle>
             <a:lvl1pPr marL="0" indent="0">
               <a:buNone/>
-              <a:defRPr sz="480">
+              <a:defRPr sz="352">
                 <a:solidFill>
                   <a:schemeClr val="tx1">
                     <a:tint val="75000"/>
@@ -902,9 +902,9 @@
                 </a:solidFill>
               </a:defRPr>
             </a:lvl1pPr>
-            <a:lvl2pPr marL="91440" indent="0">
-              <a:buNone/>
-              <a:defRPr sz="400">
+            <a:lvl2pPr marL="67117" indent="0">
+              <a:buNone/>
+              <a:defRPr sz="294">
                 <a:solidFill>
                   <a:schemeClr val="tx1">
                     <a:tint val="75000"/>
@@ -912,9 +912,9 @@
                 </a:solidFill>
               </a:defRPr>
             </a:lvl2pPr>
-            <a:lvl3pPr marL="182880" indent="0">
-              <a:buNone/>
-              <a:defRPr sz="360">
+            <a:lvl3pPr marL="134234" indent="0">
+              <a:buNone/>
+              <a:defRPr sz="264">
                 <a:solidFill>
                   <a:schemeClr val="tx1">
                     <a:tint val="75000"/>
@@ -922,9 +922,9 @@
                 </a:solidFill>
               </a:defRPr>
             </a:lvl3pPr>
-            <a:lvl4pPr marL="274320" indent="0">
-              <a:buNone/>
-              <a:defRPr sz="320">
+            <a:lvl4pPr marL="201351" indent="0">
+              <a:buNone/>
+              <a:defRPr sz="235">
                 <a:solidFill>
                   <a:schemeClr val="tx1">
                     <a:tint val="75000"/>
@@ -932,9 +932,9 @@
                 </a:solidFill>
               </a:defRPr>
             </a:lvl4pPr>
-            <a:lvl5pPr marL="365760" indent="0">
-              <a:buNone/>
-              <a:defRPr sz="320">
+            <a:lvl5pPr marL="268468" indent="0">
+              <a:buNone/>
+              <a:defRPr sz="235">
                 <a:solidFill>
                   <a:schemeClr val="tx1">
                     <a:tint val="75000"/>
@@ -942,9 +942,9 @@
                 </a:solidFill>
               </a:defRPr>
             </a:lvl5pPr>
-            <a:lvl6pPr marL="457200" indent="0">
-              <a:buNone/>
-              <a:defRPr sz="320">
+            <a:lvl6pPr marL="335585" indent="0">
+              <a:buNone/>
+              <a:defRPr sz="235">
                 <a:solidFill>
                   <a:schemeClr val="tx1">
                     <a:tint val="75000"/>
@@ -952,9 +952,9 @@
                 </a:solidFill>
               </a:defRPr>
             </a:lvl6pPr>
-            <a:lvl7pPr marL="548640" indent="0">
-              <a:buNone/>
-              <a:defRPr sz="320">
+            <a:lvl7pPr marL="402702" indent="0">
+              <a:buNone/>
+              <a:defRPr sz="235">
                 <a:solidFill>
                   <a:schemeClr val="tx1">
                     <a:tint val="75000"/>
@@ -962,9 +962,9 @@
                 </a:solidFill>
               </a:defRPr>
             </a:lvl7pPr>
-            <a:lvl8pPr marL="640080" indent="0">
-              <a:buNone/>
-              <a:defRPr sz="320">
+            <a:lvl8pPr marL="469819" indent="0">
+              <a:buNone/>
+              <a:defRPr sz="235">
                 <a:solidFill>
                   <a:schemeClr val="tx1">
                     <a:tint val="75000"/>
@@ -972,9 +972,9 @@
                 </a:solidFill>
               </a:defRPr>
             </a:lvl8pPr>
-            <a:lvl9pPr marL="731520" indent="0">
-              <a:buNone/>
-              <a:defRPr sz="320">
+            <a:lvl9pPr marL="536936" indent="0">
+              <a:buNone/>
+              <a:defRPr sz="235">
                 <a:solidFill>
                   <a:schemeClr val="tx1">
                     <a:tint val="75000"/>
@@ -1009,7 +1009,7 @@
           <a:p>
             <a:fld id="{F99D23C8-8B52-480B-9244-D8A0A6259B3B}" type="datetimeFigureOut">
               <a:rPr lang="en-US" smtClean="0"/>
-              <a:t>7/28/2021</a:t>
+              <a:t>7/30/2021</a:t>
             </a:fld>
             <a:endParaRPr lang="en-US"/>
           </a:p>
@@ -1060,7 +1060,7 @@
     </p:spTree>
     <p:extLst>
       <p:ext uri="{BB962C8B-B14F-4D97-AF65-F5344CB8AC3E}">
-        <p14:creationId xmlns:p14="http://schemas.microsoft.com/office/powerpoint/2010/main" val="1887381416"/>
+        <p14:creationId xmlns:p14="http://schemas.microsoft.com/office/powerpoint/2010/main" val="2690734236"/>
       </p:ext>
     </p:extLst>
   </p:cSld>
@@ -1071,7 +1071,7 @@
 </file>
 
 <file path=ppt/slideLayouts/slideLayout4.xml><?xml version="1.0" encoding="utf-8"?>
-<p:sldLayout xmlns:a="http://schemas.openxmlformats.org/drawingml/2006/main" xmlns:r="http://schemas.openxmlformats.org/officeDocument/2006/relationships" xmlns:p="http://schemas.openxmlformats.org/presentationml/2006/main" showMasterSp="0" type="twoObj" preserve="1">
+<p:sldLayout xmlns:a="http://schemas.openxmlformats.org/drawingml/2006/main" xmlns:r="http://schemas.openxmlformats.org/officeDocument/2006/relationships" xmlns:p="http://schemas.openxmlformats.org/presentationml/2006/main" type="twoObj" preserve="1">
   <p:cSld name="Two Content">
     <p:spTree>
       <p:nvGrpSpPr>
@@ -1122,8 +1122,8 @@
         </p:nvSpPr>
         <p:spPr>
           <a:xfrm>
-            <a:off x="534353" y="365125"/>
-            <a:ext cx="3303270" cy="870268"/>
+            <a:off x="521801" y="267927"/>
+            <a:ext cx="3225681" cy="638599"/>
           </a:xfrm>
         </p:spPr>
         <p:txBody>
@@ -1179,8 +1179,8 @@
         </p:nvSpPr>
         <p:spPr>
           <a:xfrm>
-            <a:off x="3934778" y="365125"/>
-            <a:ext cx="3303270" cy="870268"/>
+            <a:off x="3842356" y="267927"/>
+            <a:ext cx="3225681" cy="638599"/>
           </a:xfrm>
         </p:spPr>
         <p:txBody>
@@ -1241,7 +1241,7 @@
           <a:p>
             <a:fld id="{F99D23C8-8B52-480B-9244-D8A0A6259B3B}" type="datetimeFigureOut">
               <a:rPr lang="en-US" smtClean="0"/>
-              <a:t>7/28/2021</a:t>
+              <a:t>7/30/2021</a:t>
             </a:fld>
             <a:endParaRPr lang="en-US"/>
           </a:p>
@@ -1292,7 +1292,7 @@
     </p:spTree>
     <p:extLst>
       <p:ext uri="{BB962C8B-B14F-4D97-AF65-F5344CB8AC3E}">
-        <p14:creationId xmlns:p14="http://schemas.microsoft.com/office/powerpoint/2010/main" val="987322433"/>
+        <p14:creationId xmlns:p14="http://schemas.microsoft.com/office/powerpoint/2010/main" val="3236880717"/>
       </p:ext>
     </p:extLst>
   </p:cSld>
@@ -1303,7 +1303,7 @@
 </file>
 
 <file path=ppt/slideLayouts/slideLayout5.xml><?xml version="1.0" encoding="utf-8"?>
-<p:sldLayout xmlns:a="http://schemas.openxmlformats.org/drawingml/2006/main" xmlns:r="http://schemas.openxmlformats.org/officeDocument/2006/relationships" xmlns:p="http://schemas.openxmlformats.org/presentationml/2006/main" showMasterSp="0" type="twoTxTwoObj" preserve="1">
+<p:sldLayout xmlns:a="http://schemas.openxmlformats.org/drawingml/2006/main" xmlns:r="http://schemas.openxmlformats.org/officeDocument/2006/relationships" xmlns:p="http://schemas.openxmlformats.org/presentationml/2006/main" type="twoTxTwoObj" preserve="1">
   <p:cSld name="Comparison">
     <p:spTree>
       <p:nvGrpSpPr>
@@ -1331,8 +1331,8 @@
         </p:nvSpPr>
         <p:spPr>
           <a:xfrm>
-            <a:off x="535365" y="73025"/>
-            <a:ext cx="6703695" cy="265113"/>
+            <a:off x="522790" y="53585"/>
+            <a:ext cx="6546235" cy="194539"/>
           </a:xfrm>
         </p:spPr>
         <p:txBody>
@@ -1359,8 +1359,8 @@
         </p:nvSpPr>
         <p:spPr>
           <a:xfrm>
-            <a:off x="535365" y="336233"/>
-            <a:ext cx="3288089" cy="164782"/>
+            <a:off x="522790" y="246726"/>
+            <a:ext cx="3210857" cy="120917"/>
           </a:xfrm>
         </p:spPr>
         <p:txBody>
@@ -1368,39 +1368,39 @@
           <a:lstStyle>
             <a:lvl1pPr marL="0" indent="0">
               <a:buNone/>
-              <a:defRPr sz="480" b="1"/>
+              <a:defRPr sz="352" b="1"/>
             </a:lvl1pPr>
-            <a:lvl2pPr marL="91440" indent="0">
-              <a:buNone/>
-              <a:defRPr sz="400" b="1"/>
+            <a:lvl2pPr marL="67117" indent="0">
+              <a:buNone/>
+              <a:defRPr sz="294" b="1"/>
             </a:lvl2pPr>
-            <a:lvl3pPr marL="182880" indent="0">
-              <a:buNone/>
-              <a:defRPr sz="360" b="1"/>
+            <a:lvl3pPr marL="134234" indent="0">
+              <a:buNone/>
+              <a:defRPr sz="264" b="1"/>
             </a:lvl3pPr>
-            <a:lvl4pPr marL="274320" indent="0">
-              <a:buNone/>
-              <a:defRPr sz="320" b="1"/>
+            <a:lvl4pPr marL="201351" indent="0">
+              <a:buNone/>
+              <a:defRPr sz="235" b="1"/>
             </a:lvl4pPr>
-            <a:lvl5pPr marL="365760" indent="0">
-              <a:buNone/>
-              <a:defRPr sz="320" b="1"/>
+            <a:lvl5pPr marL="268468" indent="0">
+              <a:buNone/>
+              <a:defRPr sz="235" b="1"/>
             </a:lvl5pPr>
-            <a:lvl6pPr marL="457200" indent="0">
-              <a:buNone/>
-              <a:defRPr sz="320" b="1"/>
+            <a:lvl6pPr marL="335585" indent="0">
+              <a:buNone/>
+              <a:defRPr sz="235" b="1"/>
             </a:lvl6pPr>
-            <a:lvl7pPr marL="548640" indent="0">
-              <a:buNone/>
-              <a:defRPr sz="320" b="1"/>
+            <a:lvl7pPr marL="402702" indent="0">
+              <a:buNone/>
+              <a:defRPr sz="235" b="1"/>
             </a:lvl7pPr>
-            <a:lvl8pPr marL="640080" indent="0">
-              <a:buNone/>
-              <a:defRPr sz="320" b="1"/>
+            <a:lvl8pPr marL="469819" indent="0">
+              <a:buNone/>
+              <a:defRPr sz="235" b="1"/>
             </a:lvl8pPr>
-            <a:lvl9pPr marL="731520" indent="0">
-              <a:buNone/>
-              <a:defRPr sz="320" b="1"/>
+            <a:lvl9pPr marL="536936" indent="0">
+              <a:buNone/>
+              <a:defRPr sz="235" b="1"/>
             </a:lvl9pPr>
           </a:lstStyle>
           <a:p>
@@ -1424,8 +1424,8 @@
         </p:nvSpPr>
         <p:spPr>
           <a:xfrm>
-            <a:off x="535365" y="501015"/>
-            <a:ext cx="3288089" cy="736918"/>
+            <a:off x="522790" y="367643"/>
+            <a:ext cx="3210857" cy="540747"/>
           </a:xfrm>
         </p:spPr>
         <p:txBody>
@@ -1481,8 +1481,8 @@
         </p:nvSpPr>
         <p:spPr>
           <a:xfrm>
-            <a:off x="3934778" y="336233"/>
-            <a:ext cx="3304282" cy="164782"/>
+            <a:off x="3842355" y="246726"/>
+            <a:ext cx="3226670" cy="120917"/>
           </a:xfrm>
         </p:spPr>
         <p:txBody>
@@ -1490,39 +1490,39 @@
           <a:lstStyle>
             <a:lvl1pPr marL="0" indent="0">
               <a:buNone/>
-              <a:defRPr sz="480" b="1"/>
+              <a:defRPr sz="352" b="1"/>
             </a:lvl1pPr>
-            <a:lvl2pPr marL="91440" indent="0">
-              <a:buNone/>
-              <a:defRPr sz="400" b="1"/>
+            <a:lvl2pPr marL="67117" indent="0">
+              <a:buNone/>
+              <a:defRPr sz="294" b="1"/>
             </a:lvl2pPr>
-            <a:lvl3pPr marL="182880" indent="0">
-              <a:buNone/>
-              <a:defRPr sz="360" b="1"/>
+            <a:lvl3pPr marL="134234" indent="0">
+              <a:buNone/>
+              <a:defRPr sz="264" b="1"/>
             </a:lvl3pPr>
-            <a:lvl4pPr marL="274320" indent="0">
-              <a:buNone/>
-              <a:defRPr sz="320" b="1"/>
+            <a:lvl4pPr marL="201351" indent="0">
+              <a:buNone/>
+              <a:defRPr sz="235" b="1"/>
             </a:lvl4pPr>
-            <a:lvl5pPr marL="365760" indent="0">
-              <a:buNone/>
-              <a:defRPr sz="320" b="1"/>
+            <a:lvl5pPr marL="268468" indent="0">
+              <a:buNone/>
+              <a:defRPr sz="235" b="1"/>
             </a:lvl5pPr>
-            <a:lvl6pPr marL="457200" indent="0">
-              <a:buNone/>
-              <a:defRPr sz="320" b="1"/>
+            <a:lvl6pPr marL="335585" indent="0">
+              <a:buNone/>
+              <a:defRPr sz="235" b="1"/>
             </a:lvl6pPr>
-            <a:lvl7pPr marL="548640" indent="0">
-              <a:buNone/>
-              <a:defRPr sz="320" b="1"/>
+            <a:lvl7pPr marL="402702" indent="0">
+              <a:buNone/>
+              <a:defRPr sz="235" b="1"/>
             </a:lvl7pPr>
-            <a:lvl8pPr marL="640080" indent="0">
-              <a:buNone/>
-              <a:defRPr sz="320" b="1"/>
+            <a:lvl8pPr marL="469819" indent="0">
+              <a:buNone/>
+              <a:defRPr sz="235" b="1"/>
             </a:lvl8pPr>
-            <a:lvl9pPr marL="731520" indent="0">
-              <a:buNone/>
-              <a:defRPr sz="320" b="1"/>
+            <a:lvl9pPr marL="536936" indent="0">
+              <a:buNone/>
+              <a:defRPr sz="235" b="1"/>
             </a:lvl9pPr>
           </a:lstStyle>
           <a:p>
@@ -1546,8 +1546,8 @@
         </p:nvSpPr>
         <p:spPr>
           <a:xfrm>
-            <a:off x="3934778" y="501015"/>
-            <a:ext cx="3304282" cy="736918"/>
+            <a:off x="3842355" y="367643"/>
+            <a:ext cx="3226670" cy="540747"/>
           </a:xfrm>
         </p:spPr>
         <p:txBody>
@@ -1608,7 +1608,7 @@
           <a:p>
             <a:fld id="{F99D23C8-8B52-480B-9244-D8A0A6259B3B}" type="datetimeFigureOut">
               <a:rPr lang="en-US" smtClean="0"/>
-              <a:t>7/28/2021</a:t>
+              <a:t>7/30/2021</a:t>
             </a:fld>
             <a:endParaRPr lang="en-US"/>
           </a:p>
@@ -1659,7 +1659,7 @@
     </p:spTree>
     <p:extLst>
       <p:ext uri="{BB962C8B-B14F-4D97-AF65-F5344CB8AC3E}">
-        <p14:creationId xmlns:p14="http://schemas.microsoft.com/office/powerpoint/2010/main" val="1338780637"/>
+        <p14:creationId xmlns:p14="http://schemas.microsoft.com/office/powerpoint/2010/main" val="1282440746"/>
       </p:ext>
     </p:extLst>
   </p:cSld>
@@ -1670,7 +1670,7 @@
 </file>
 
 <file path=ppt/slideLayouts/slideLayout6.xml><?xml version="1.0" encoding="utf-8"?>
-<p:sldLayout xmlns:a="http://schemas.openxmlformats.org/drawingml/2006/main" xmlns:r="http://schemas.openxmlformats.org/officeDocument/2006/relationships" xmlns:p="http://schemas.openxmlformats.org/presentationml/2006/main" showMasterSp="0" type="titleOnly" preserve="1">
+<p:sldLayout xmlns:a="http://schemas.openxmlformats.org/drawingml/2006/main" xmlns:r="http://schemas.openxmlformats.org/officeDocument/2006/relationships" xmlns:p="http://schemas.openxmlformats.org/presentationml/2006/main" type="titleOnly" preserve="1">
   <p:cSld name="Title Only">
     <p:spTree>
       <p:nvGrpSpPr>
@@ -1726,7 +1726,7 @@
           <a:p>
             <a:fld id="{F99D23C8-8B52-480B-9244-D8A0A6259B3B}" type="datetimeFigureOut">
               <a:rPr lang="en-US" smtClean="0"/>
-              <a:t>7/28/2021</a:t>
+              <a:t>7/30/2021</a:t>
             </a:fld>
             <a:endParaRPr lang="en-US"/>
           </a:p>
@@ -1777,7 +1777,7 @@
     </p:spTree>
     <p:extLst>
       <p:ext uri="{BB962C8B-B14F-4D97-AF65-F5344CB8AC3E}">
-        <p14:creationId xmlns:p14="http://schemas.microsoft.com/office/powerpoint/2010/main" val="2727964357"/>
+        <p14:creationId xmlns:p14="http://schemas.microsoft.com/office/powerpoint/2010/main" val="1255759032"/>
       </p:ext>
     </p:extLst>
   </p:cSld>
@@ -1788,7 +1788,7 @@
 </file>
 
 <file path=ppt/slideLayouts/slideLayout7.xml><?xml version="1.0" encoding="utf-8"?>
-<p:sldLayout xmlns:a="http://schemas.openxmlformats.org/drawingml/2006/main" xmlns:r="http://schemas.openxmlformats.org/officeDocument/2006/relationships" xmlns:p="http://schemas.openxmlformats.org/presentationml/2006/main" showMasterSp="0" type="blank" preserve="1">
+<p:sldLayout xmlns:a="http://schemas.openxmlformats.org/drawingml/2006/main" xmlns:r="http://schemas.openxmlformats.org/officeDocument/2006/relationships" xmlns:p="http://schemas.openxmlformats.org/presentationml/2006/main" type="blank" preserve="1">
   <p:cSld name="Blank">
     <p:spTree>
       <p:nvGrpSpPr>
@@ -1821,7 +1821,7 @@
           <a:p>
             <a:fld id="{F99D23C8-8B52-480B-9244-D8A0A6259B3B}" type="datetimeFigureOut">
               <a:rPr lang="en-US" smtClean="0"/>
-              <a:t>7/28/2021</a:t>
+              <a:t>7/30/2021</a:t>
             </a:fld>
             <a:endParaRPr lang="en-US"/>
           </a:p>
@@ -1872,7 +1872,7 @@
     </p:spTree>
     <p:extLst>
       <p:ext uri="{BB962C8B-B14F-4D97-AF65-F5344CB8AC3E}">
-        <p14:creationId xmlns:p14="http://schemas.microsoft.com/office/powerpoint/2010/main" val="844287677"/>
+        <p14:creationId xmlns:p14="http://schemas.microsoft.com/office/powerpoint/2010/main" val="215757568"/>
       </p:ext>
     </p:extLst>
   </p:cSld>
@@ -1883,7 +1883,7 @@
 </file>
 
 <file path=ppt/slideLayouts/slideLayout8.xml><?xml version="1.0" encoding="utf-8"?>
-<p:sldLayout xmlns:a="http://schemas.openxmlformats.org/drawingml/2006/main" xmlns:r="http://schemas.openxmlformats.org/officeDocument/2006/relationships" xmlns:p="http://schemas.openxmlformats.org/presentationml/2006/main" showMasterSp="0" type="objTx" preserve="1">
+<p:sldLayout xmlns:a="http://schemas.openxmlformats.org/drawingml/2006/main" xmlns:r="http://schemas.openxmlformats.org/officeDocument/2006/relationships" xmlns:p="http://schemas.openxmlformats.org/presentationml/2006/main" type="objTx" preserve="1">
   <p:cSld name="Content with Caption">
     <p:spTree>
       <p:nvGrpSpPr>
@@ -1911,15 +1911,15 @@
         </p:nvSpPr>
         <p:spPr>
           <a:xfrm>
-            <a:off x="535365" y="91440"/>
-            <a:ext cx="2506801" cy="320040"/>
+            <a:off x="522790" y="67098"/>
+            <a:ext cx="2447920" cy="234844"/>
           </a:xfrm>
         </p:spPr>
         <p:txBody>
           <a:bodyPr anchor="b"/>
           <a:lstStyle>
             <a:lvl1pPr>
-              <a:defRPr sz="640"/>
+              <a:defRPr sz="470"/>
             </a:lvl1pPr>
           </a:lstStyle>
           <a:p>
@@ -1943,39 +1943,39 @@
         </p:nvSpPr>
         <p:spPr>
           <a:xfrm>
-            <a:off x="3304282" y="197485"/>
-            <a:ext cx="3934778" cy="974725"/>
+            <a:off x="3226670" y="144914"/>
+            <a:ext cx="3842355" cy="715250"/>
           </a:xfrm>
         </p:spPr>
         <p:txBody>
           <a:bodyPr/>
           <a:lstStyle>
             <a:lvl1pPr>
-              <a:defRPr sz="640"/>
+              <a:defRPr sz="470"/>
             </a:lvl1pPr>
             <a:lvl2pPr>
-              <a:defRPr sz="560"/>
+              <a:defRPr sz="411"/>
             </a:lvl2pPr>
             <a:lvl3pPr>
-              <a:defRPr sz="480"/>
+              <a:defRPr sz="352"/>
             </a:lvl3pPr>
             <a:lvl4pPr>
-              <a:defRPr sz="400"/>
+              <a:defRPr sz="294"/>
             </a:lvl4pPr>
             <a:lvl5pPr>
-              <a:defRPr sz="400"/>
+              <a:defRPr sz="294"/>
             </a:lvl5pPr>
             <a:lvl6pPr>
-              <a:defRPr sz="400"/>
+              <a:defRPr sz="294"/>
             </a:lvl6pPr>
             <a:lvl7pPr>
-              <a:defRPr sz="400"/>
+              <a:defRPr sz="294"/>
             </a:lvl7pPr>
             <a:lvl8pPr>
-              <a:defRPr sz="400"/>
+              <a:defRPr sz="294"/>
             </a:lvl8pPr>
             <a:lvl9pPr>
-              <a:defRPr sz="400"/>
+              <a:defRPr sz="294"/>
             </a:lvl9pPr>
           </a:lstStyle>
           <a:p>
@@ -2028,8 +2028,8 @@
         </p:nvSpPr>
         <p:spPr>
           <a:xfrm>
-            <a:off x="535365" y="411480"/>
-            <a:ext cx="2506801" cy="762318"/>
+            <a:off x="522790" y="301942"/>
+            <a:ext cx="2447920" cy="559386"/>
           </a:xfrm>
         </p:spPr>
         <p:txBody>
@@ -2037,39 +2037,39 @@
           <a:lstStyle>
             <a:lvl1pPr marL="0" indent="0">
               <a:buNone/>
-              <a:defRPr sz="320"/>
+              <a:defRPr sz="235"/>
             </a:lvl1pPr>
-            <a:lvl2pPr marL="91440" indent="0">
-              <a:buNone/>
-              <a:defRPr sz="280"/>
+            <a:lvl2pPr marL="67117" indent="0">
+              <a:buNone/>
+              <a:defRPr sz="206"/>
             </a:lvl2pPr>
-            <a:lvl3pPr marL="182880" indent="0">
-              <a:buNone/>
-              <a:defRPr sz="240"/>
+            <a:lvl3pPr marL="134234" indent="0">
+              <a:buNone/>
+              <a:defRPr sz="176"/>
             </a:lvl3pPr>
-            <a:lvl4pPr marL="274320" indent="0">
-              <a:buNone/>
-              <a:defRPr sz="200"/>
+            <a:lvl4pPr marL="201351" indent="0">
+              <a:buNone/>
+              <a:defRPr sz="147"/>
             </a:lvl4pPr>
-            <a:lvl5pPr marL="365760" indent="0">
-              <a:buNone/>
-              <a:defRPr sz="200"/>
+            <a:lvl5pPr marL="268468" indent="0">
+              <a:buNone/>
+              <a:defRPr sz="147"/>
             </a:lvl5pPr>
-            <a:lvl6pPr marL="457200" indent="0">
-              <a:buNone/>
-              <a:defRPr sz="200"/>
+            <a:lvl6pPr marL="335585" indent="0">
+              <a:buNone/>
+              <a:defRPr sz="147"/>
             </a:lvl6pPr>
-            <a:lvl7pPr marL="548640" indent="0">
-              <a:buNone/>
-              <a:defRPr sz="200"/>
+            <a:lvl7pPr marL="402702" indent="0">
+              <a:buNone/>
+              <a:defRPr sz="147"/>
             </a:lvl7pPr>
-            <a:lvl8pPr marL="640080" indent="0">
-              <a:buNone/>
-              <a:defRPr sz="200"/>
+            <a:lvl8pPr marL="469819" indent="0">
+              <a:buNone/>
+              <a:defRPr sz="147"/>
             </a:lvl8pPr>
-            <a:lvl9pPr marL="731520" indent="0">
-              <a:buNone/>
-              <a:defRPr sz="200"/>
+            <a:lvl9pPr marL="536936" indent="0">
+              <a:buNone/>
+              <a:defRPr sz="147"/>
             </a:lvl9pPr>
           </a:lstStyle>
           <a:p>
@@ -2098,7 +2098,7 @@
           <a:p>
             <a:fld id="{F99D23C8-8B52-480B-9244-D8A0A6259B3B}" type="datetimeFigureOut">
               <a:rPr lang="en-US" smtClean="0"/>
-              <a:t>7/28/2021</a:t>
+              <a:t>7/30/2021</a:t>
             </a:fld>
             <a:endParaRPr lang="en-US"/>
           </a:p>
@@ -2149,7 +2149,7 @@
     </p:spTree>
     <p:extLst>
       <p:ext uri="{BB962C8B-B14F-4D97-AF65-F5344CB8AC3E}">
-        <p14:creationId xmlns:p14="http://schemas.microsoft.com/office/powerpoint/2010/main" val="1905750938"/>
+        <p14:creationId xmlns:p14="http://schemas.microsoft.com/office/powerpoint/2010/main" val="1937579001"/>
       </p:ext>
     </p:extLst>
   </p:cSld>
@@ -2160,7 +2160,7 @@
 </file>
 
 <file path=ppt/slideLayouts/slideLayout9.xml><?xml version="1.0" encoding="utf-8"?>
-<p:sldLayout xmlns:a="http://schemas.openxmlformats.org/drawingml/2006/main" xmlns:r="http://schemas.openxmlformats.org/officeDocument/2006/relationships" xmlns:p="http://schemas.openxmlformats.org/presentationml/2006/main" showMasterSp="0" type="picTx" preserve="1">
+<p:sldLayout xmlns:a="http://schemas.openxmlformats.org/drawingml/2006/main" xmlns:r="http://schemas.openxmlformats.org/officeDocument/2006/relationships" xmlns:p="http://schemas.openxmlformats.org/presentationml/2006/main" type="picTx" preserve="1">
   <p:cSld name="Picture with Caption">
     <p:spTree>
       <p:nvGrpSpPr>
@@ -2188,15 +2188,15 @@
         </p:nvSpPr>
         <p:spPr>
           <a:xfrm>
-            <a:off x="535365" y="91440"/>
-            <a:ext cx="2506801" cy="320040"/>
+            <a:off x="522790" y="67098"/>
+            <a:ext cx="2447920" cy="234844"/>
           </a:xfrm>
         </p:spPr>
         <p:txBody>
           <a:bodyPr anchor="b"/>
           <a:lstStyle>
             <a:lvl1pPr>
-              <a:defRPr sz="640"/>
+              <a:defRPr sz="470"/>
             </a:lvl1pPr>
           </a:lstStyle>
           <a:p>
@@ -2220,8 +2220,8 @@
         </p:nvSpPr>
         <p:spPr>
           <a:xfrm>
-            <a:off x="3304282" y="197485"/>
-            <a:ext cx="3934778" cy="974725"/>
+            <a:off x="3226670" y="144914"/>
+            <a:ext cx="3842355" cy="715250"/>
           </a:xfrm>
         </p:spPr>
         <p:txBody>
@@ -2229,39 +2229,39 @@
           <a:lstStyle>
             <a:lvl1pPr marL="0" indent="0">
               <a:buNone/>
-              <a:defRPr sz="640"/>
+              <a:defRPr sz="470"/>
             </a:lvl1pPr>
-            <a:lvl2pPr marL="91440" indent="0">
-              <a:buNone/>
-              <a:defRPr sz="560"/>
+            <a:lvl2pPr marL="67117" indent="0">
+              <a:buNone/>
+              <a:defRPr sz="411"/>
             </a:lvl2pPr>
-            <a:lvl3pPr marL="182880" indent="0">
-              <a:buNone/>
-              <a:defRPr sz="480"/>
+            <a:lvl3pPr marL="134234" indent="0">
+              <a:buNone/>
+              <a:defRPr sz="352"/>
             </a:lvl3pPr>
-            <a:lvl4pPr marL="274320" indent="0">
-              <a:buNone/>
-              <a:defRPr sz="400"/>
+            <a:lvl4pPr marL="201351" indent="0">
+              <a:buNone/>
+              <a:defRPr sz="294"/>
             </a:lvl4pPr>
-            <a:lvl5pPr marL="365760" indent="0">
-              <a:buNone/>
-              <a:defRPr sz="400"/>
+            <a:lvl5pPr marL="268468" indent="0">
+              <a:buNone/>
+              <a:defRPr sz="294"/>
             </a:lvl5pPr>
-            <a:lvl6pPr marL="457200" indent="0">
-              <a:buNone/>
-              <a:defRPr sz="400"/>
+            <a:lvl6pPr marL="335585" indent="0">
+              <a:buNone/>
+              <a:defRPr sz="294"/>
             </a:lvl6pPr>
-            <a:lvl7pPr marL="548640" indent="0">
-              <a:buNone/>
-              <a:defRPr sz="400"/>
+            <a:lvl7pPr marL="402702" indent="0">
+              <a:buNone/>
+              <a:defRPr sz="294"/>
             </a:lvl7pPr>
-            <a:lvl8pPr marL="640080" indent="0">
-              <a:buNone/>
-              <a:defRPr sz="400"/>
+            <a:lvl8pPr marL="469819" indent="0">
+              <a:buNone/>
+              <a:defRPr sz="294"/>
             </a:lvl8pPr>
-            <a:lvl9pPr marL="731520" indent="0">
-              <a:buNone/>
-              <a:defRPr sz="400"/>
+            <a:lvl9pPr marL="536936" indent="0">
+              <a:buNone/>
+              <a:defRPr sz="294"/>
             </a:lvl9pPr>
           </a:lstStyle>
           <a:p>
@@ -2285,8 +2285,8 @@
         </p:nvSpPr>
         <p:spPr>
           <a:xfrm>
-            <a:off x="535365" y="411480"/>
-            <a:ext cx="2506801" cy="762318"/>
+            <a:off x="522790" y="301942"/>
+            <a:ext cx="2447920" cy="559386"/>
           </a:xfrm>
         </p:spPr>
         <p:txBody>
@@ -2294,39 +2294,39 @@
           <a:lstStyle>
             <a:lvl1pPr marL="0" indent="0">
               <a:buNone/>
-              <a:defRPr sz="320"/>
+              <a:defRPr sz="235"/>
             </a:lvl1pPr>
-            <a:lvl2pPr marL="91440" indent="0">
-              <a:buNone/>
-              <a:defRPr sz="280"/>
+            <a:lvl2pPr marL="67117" indent="0">
+              <a:buNone/>
+              <a:defRPr sz="206"/>
             </a:lvl2pPr>
-            <a:lvl3pPr marL="182880" indent="0">
-              <a:buNone/>
-              <a:defRPr sz="240"/>
+            <a:lvl3pPr marL="134234" indent="0">
+              <a:buNone/>
+              <a:defRPr sz="176"/>
             </a:lvl3pPr>
-            <a:lvl4pPr marL="274320" indent="0">
-              <a:buNone/>
-              <a:defRPr sz="200"/>
+            <a:lvl4pPr marL="201351" indent="0">
+              <a:buNone/>
+              <a:defRPr sz="147"/>
             </a:lvl4pPr>
-            <a:lvl5pPr marL="365760" indent="0">
-              <a:buNone/>
-              <a:defRPr sz="200"/>
+            <a:lvl5pPr marL="268468" indent="0">
+              <a:buNone/>
+              <a:defRPr sz="147"/>
             </a:lvl5pPr>
-            <a:lvl6pPr marL="457200" indent="0">
-              <a:buNone/>
-              <a:defRPr sz="200"/>
+            <a:lvl6pPr marL="335585" indent="0">
+              <a:buNone/>
+              <a:defRPr sz="147"/>
             </a:lvl6pPr>
-            <a:lvl7pPr marL="548640" indent="0">
-              <a:buNone/>
-              <a:defRPr sz="200"/>
+            <a:lvl7pPr marL="402702" indent="0">
+              <a:buNone/>
+              <a:defRPr sz="147"/>
             </a:lvl7pPr>
-            <a:lvl8pPr marL="640080" indent="0">
-              <a:buNone/>
-              <a:defRPr sz="200"/>
+            <a:lvl8pPr marL="469819" indent="0">
+              <a:buNone/>
+              <a:defRPr sz="147"/>
             </a:lvl8pPr>
-            <a:lvl9pPr marL="731520" indent="0">
-              <a:buNone/>
-              <a:defRPr sz="200"/>
+            <a:lvl9pPr marL="536936" indent="0">
+              <a:buNone/>
+              <a:defRPr sz="147"/>
             </a:lvl9pPr>
           </a:lstStyle>
           <a:p>
@@ -2355,7 +2355,7 @@
           <a:p>
             <a:fld id="{F99D23C8-8B52-480B-9244-D8A0A6259B3B}" type="datetimeFigureOut">
               <a:rPr lang="en-US" smtClean="0"/>
-              <a:t>7/28/2021</a:t>
+              <a:t>7/30/2021</a:t>
             </a:fld>
             <a:endParaRPr lang="en-US"/>
           </a:p>
@@ -2406,7 +2406,7 @@
     </p:spTree>
     <p:extLst>
       <p:ext uri="{BB962C8B-B14F-4D97-AF65-F5344CB8AC3E}">
-        <p14:creationId xmlns:p14="http://schemas.microsoft.com/office/powerpoint/2010/main" val="485027589"/>
+        <p14:creationId xmlns:p14="http://schemas.microsoft.com/office/powerpoint/2010/main" val="3177570738"/>
       </p:ext>
     </p:extLst>
   </p:cSld>
@@ -2420,14 +2420,9 @@
 <p:sldMaster xmlns:a="http://schemas.openxmlformats.org/drawingml/2006/main" xmlns:r="http://schemas.openxmlformats.org/officeDocument/2006/relationships" xmlns:p="http://schemas.openxmlformats.org/presentationml/2006/main">
   <p:cSld>
     <p:bg>
-      <p:bgPr>
-        <a:solidFill>
-          <a:schemeClr val="bg1">
-            <a:alpha val="0"/>
-          </a:schemeClr>
-        </a:solidFill>
-        <a:effectLst/>
-      </p:bgPr>
+      <p:bgRef idx="1001">
+        <a:schemeClr val="bg1"/>
+      </p:bgRef>
     </p:bg>
     <p:spTree>
       <p:nvGrpSpPr>
@@ -2455,8 +2450,8 @@
         </p:nvSpPr>
         <p:spPr>
           <a:xfrm>
-            <a:off x="534353" y="73025"/>
-            <a:ext cx="6703695" cy="265113"/>
+            <a:off x="521802" y="53585"/>
+            <a:ext cx="6546235" cy="194539"/>
           </a:xfrm>
           <a:prstGeom prst="rect">
             <a:avLst/>
@@ -2488,8 +2483,8 @@
         </p:nvSpPr>
         <p:spPr>
           <a:xfrm>
-            <a:off x="534353" y="365125"/>
-            <a:ext cx="6703695" cy="870268"/>
+            <a:off x="521802" y="267927"/>
+            <a:ext cx="6546235" cy="638599"/>
           </a:xfrm>
           <a:prstGeom prst="rect">
             <a:avLst/>
@@ -2550,8 +2545,8 @@
         </p:nvSpPr>
         <p:spPr>
           <a:xfrm>
-            <a:off x="534353" y="1271270"/>
-            <a:ext cx="1748790" cy="73025"/>
+            <a:off x="521801" y="932854"/>
+            <a:ext cx="1707714" cy="53585"/>
           </a:xfrm>
           <a:prstGeom prst="rect">
             <a:avLst/>
@@ -2561,7 +2556,7 @@
           <a:bodyPr vert="horz" lIns="91440" tIns="45720" rIns="91440" bIns="45720" rtlCol="0" anchor="ctr"/>
           <a:lstStyle>
             <a:lvl1pPr algn="l">
-              <a:defRPr sz="240">
+              <a:defRPr sz="176">
                 <a:solidFill>
                   <a:schemeClr val="tx1">
                     <a:tint val="75000"/>
@@ -2573,7 +2568,7 @@
           <a:p>
             <a:fld id="{F99D23C8-8B52-480B-9244-D8A0A6259B3B}" type="datetimeFigureOut">
               <a:rPr lang="en-US" smtClean="0"/>
-              <a:t>7/28/2021</a:t>
+              <a:t>7/30/2021</a:t>
             </a:fld>
             <a:endParaRPr lang="en-US"/>
           </a:p>
@@ -2591,8 +2586,8 @@
         </p:nvSpPr>
         <p:spPr>
           <a:xfrm>
-            <a:off x="2574608" y="1271270"/>
-            <a:ext cx="2623185" cy="73025"/>
+            <a:off x="2514134" y="932854"/>
+            <a:ext cx="2561570" cy="53585"/>
           </a:xfrm>
           <a:prstGeom prst="rect">
             <a:avLst/>
@@ -2602,7 +2597,7 @@
           <a:bodyPr vert="horz" lIns="91440" tIns="45720" rIns="91440" bIns="45720" rtlCol="0" anchor="ctr"/>
           <a:lstStyle>
             <a:lvl1pPr algn="ctr">
-              <a:defRPr sz="240">
+              <a:defRPr sz="176">
                 <a:solidFill>
                   <a:schemeClr val="tx1">
                     <a:tint val="75000"/>
@@ -2628,8 +2623,8 @@
         </p:nvSpPr>
         <p:spPr>
           <a:xfrm>
-            <a:off x="5489258" y="1271270"/>
-            <a:ext cx="1748790" cy="73025"/>
+            <a:off x="5360323" y="932854"/>
+            <a:ext cx="1707714" cy="53585"/>
           </a:xfrm>
           <a:prstGeom prst="rect">
             <a:avLst/>
@@ -2639,7 +2634,7 @@
           <a:bodyPr vert="horz" lIns="91440" tIns="45720" rIns="91440" bIns="45720" rtlCol="0" anchor="ctr"/>
           <a:lstStyle>
             <a:lvl1pPr algn="r">
-              <a:defRPr sz="240">
+              <a:defRPr sz="176">
                 <a:solidFill>
                   <a:schemeClr val="tx1">
                     <a:tint val="75000"/>
@@ -2660,27 +2655,27 @@
     </p:spTree>
     <p:extLst>
       <p:ext uri="{BB962C8B-B14F-4D97-AF65-F5344CB8AC3E}">
-        <p14:creationId xmlns:p14="http://schemas.microsoft.com/office/powerpoint/2010/main" val="1369089947"/>
+        <p14:creationId xmlns:p14="http://schemas.microsoft.com/office/powerpoint/2010/main" val="1491727743"/>
       </p:ext>
     </p:extLst>
   </p:cSld>
   <p:clrMap bg1="lt1" tx1="dk1" bg2="lt2" tx2="dk2" accent1="accent1" accent2="accent2" accent3="accent3" accent4="accent4" accent5="accent5" accent6="accent6" hlink="hlink" folHlink="folHlink"/>
   <p:sldLayoutIdLst>
-    <p:sldLayoutId id="2147483733" r:id="rId1"/>
-    <p:sldLayoutId id="2147483734" r:id="rId2"/>
-    <p:sldLayoutId id="2147483735" r:id="rId3"/>
-    <p:sldLayoutId id="2147483736" r:id="rId4"/>
-    <p:sldLayoutId id="2147483737" r:id="rId5"/>
-    <p:sldLayoutId id="2147483738" r:id="rId6"/>
-    <p:sldLayoutId id="2147483739" r:id="rId7"/>
-    <p:sldLayoutId id="2147483740" r:id="rId8"/>
-    <p:sldLayoutId id="2147483741" r:id="rId9"/>
-    <p:sldLayoutId id="2147483742" r:id="rId10"/>
-    <p:sldLayoutId id="2147483743" r:id="rId11"/>
+    <p:sldLayoutId id="2147483769" r:id="rId1"/>
+    <p:sldLayoutId id="2147483770" r:id="rId2"/>
+    <p:sldLayoutId id="2147483771" r:id="rId3"/>
+    <p:sldLayoutId id="2147483772" r:id="rId4"/>
+    <p:sldLayoutId id="2147483773" r:id="rId5"/>
+    <p:sldLayoutId id="2147483774" r:id="rId6"/>
+    <p:sldLayoutId id="2147483775" r:id="rId7"/>
+    <p:sldLayoutId id="2147483776" r:id="rId8"/>
+    <p:sldLayoutId id="2147483777" r:id="rId9"/>
+    <p:sldLayoutId id="2147483778" r:id="rId10"/>
+    <p:sldLayoutId id="2147483779" r:id="rId11"/>
   </p:sldLayoutIdLst>
   <p:txStyles>
     <p:titleStyle>
-      <a:lvl1pPr algn="l" defTabSz="182880" rtl="0" eaLnBrk="1" latinLnBrk="0" hangingPunct="1">
+      <a:lvl1pPr algn="l" defTabSz="134234" rtl="0" eaLnBrk="1" latinLnBrk="0" hangingPunct="1">
         <a:lnSpc>
           <a:spcPct val="90000"/>
         </a:lnSpc>
@@ -2688,7 +2683,7 @@
           <a:spcPct val="0"/>
         </a:spcBef>
         <a:buNone/>
-        <a:defRPr sz="880" kern="1200">
+        <a:defRPr sz="646" kern="1200">
           <a:solidFill>
             <a:schemeClr val="tx1"/>
           </a:solidFill>
@@ -2699,16 +2694,16 @@
       </a:lvl1pPr>
     </p:titleStyle>
     <p:bodyStyle>
-      <a:lvl1pPr marL="45720" indent="-45720" algn="l" defTabSz="182880" rtl="0" eaLnBrk="1" latinLnBrk="0" hangingPunct="1">
+      <a:lvl1pPr marL="33558" indent="-33558" algn="l" defTabSz="134234" rtl="0" eaLnBrk="1" latinLnBrk="0" hangingPunct="1">
         <a:lnSpc>
           <a:spcPct val="90000"/>
         </a:lnSpc>
         <a:spcBef>
-          <a:spcPts val="200"/>
+          <a:spcPts val="147"/>
         </a:spcBef>
         <a:buFont typeface="Arial" panose="020B0604020202020204" pitchFamily="34" charset="0"/>
         <a:buChar char="•"/>
-        <a:defRPr sz="560" kern="1200">
+        <a:defRPr sz="411" kern="1200">
           <a:solidFill>
             <a:schemeClr val="tx1"/>
           </a:solidFill>
@@ -2717,16 +2712,16 @@
           <a:cs typeface="+mn-cs"/>
         </a:defRPr>
       </a:lvl1pPr>
-      <a:lvl2pPr marL="137160" indent="-45720" algn="l" defTabSz="182880" rtl="0" eaLnBrk="1" latinLnBrk="0" hangingPunct="1">
+      <a:lvl2pPr marL="100675" indent="-33558" algn="l" defTabSz="134234" rtl="0" eaLnBrk="1" latinLnBrk="0" hangingPunct="1">
         <a:lnSpc>
           <a:spcPct val="90000"/>
         </a:lnSpc>
         <a:spcBef>
-          <a:spcPts val="100"/>
+          <a:spcPts val="73"/>
         </a:spcBef>
         <a:buFont typeface="Arial" panose="020B0604020202020204" pitchFamily="34" charset="0"/>
         <a:buChar char="•"/>
-        <a:defRPr sz="480" kern="1200">
+        <a:defRPr sz="352" kern="1200">
           <a:solidFill>
             <a:schemeClr val="tx1"/>
           </a:solidFill>
@@ -2735,16 +2730,16 @@
           <a:cs typeface="+mn-cs"/>
         </a:defRPr>
       </a:lvl2pPr>
-      <a:lvl3pPr marL="228600" indent="-45720" algn="l" defTabSz="182880" rtl="0" eaLnBrk="1" latinLnBrk="0" hangingPunct="1">
+      <a:lvl3pPr marL="167792" indent="-33558" algn="l" defTabSz="134234" rtl="0" eaLnBrk="1" latinLnBrk="0" hangingPunct="1">
         <a:lnSpc>
           <a:spcPct val="90000"/>
         </a:lnSpc>
         <a:spcBef>
-          <a:spcPts val="100"/>
+          <a:spcPts val="73"/>
         </a:spcBef>
         <a:buFont typeface="Arial" panose="020B0604020202020204" pitchFamily="34" charset="0"/>
         <a:buChar char="•"/>
-        <a:defRPr sz="400" kern="1200">
+        <a:defRPr sz="294" kern="1200">
           <a:solidFill>
             <a:schemeClr val="tx1"/>
           </a:solidFill>
@@ -2753,16 +2748,16 @@
           <a:cs typeface="+mn-cs"/>
         </a:defRPr>
       </a:lvl3pPr>
-      <a:lvl4pPr marL="320040" indent="-45720" algn="l" defTabSz="182880" rtl="0" eaLnBrk="1" latinLnBrk="0" hangingPunct="1">
+      <a:lvl4pPr marL="234909" indent="-33558" algn="l" defTabSz="134234" rtl="0" eaLnBrk="1" latinLnBrk="0" hangingPunct="1">
         <a:lnSpc>
           <a:spcPct val="90000"/>
         </a:lnSpc>
         <a:spcBef>
-          <a:spcPts val="100"/>
+          <a:spcPts val="73"/>
         </a:spcBef>
         <a:buFont typeface="Arial" panose="020B0604020202020204" pitchFamily="34" charset="0"/>
         <a:buChar char="•"/>
-        <a:defRPr sz="360" kern="1200">
+        <a:defRPr sz="264" kern="1200">
           <a:solidFill>
             <a:schemeClr val="tx1"/>
           </a:solidFill>
@@ -2771,16 +2766,16 @@
           <a:cs typeface="+mn-cs"/>
         </a:defRPr>
       </a:lvl4pPr>
-      <a:lvl5pPr marL="411480" indent="-45720" algn="l" defTabSz="182880" rtl="0" eaLnBrk="1" latinLnBrk="0" hangingPunct="1">
+      <a:lvl5pPr marL="302026" indent="-33558" algn="l" defTabSz="134234" rtl="0" eaLnBrk="1" latinLnBrk="0" hangingPunct="1">
         <a:lnSpc>
           <a:spcPct val="90000"/>
         </a:lnSpc>
         <a:spcBef>
-          <a:spcPts val="100"/>
+          <a:spcPts val="73"/>
         </a:spcBef>
         <a:buFont typeface="Arial" panose="020B0604020202020204" pitchFamily="34" charset="0"/>
         <a:buChar char="•"/>
-        <a:defRPr sz="360" kern="1200">
+        <a:defRPr sz="264" kern="1200">
           <a:solidFill>
             <a:schemeClr val="tx1"/>
           </a:solidFill>
@@ -2789,16 +2784,16 @@
           <a:cs typeface="+mn-cs"/>
         </a:defRPr>
       </a:lvl5pPr>
-      <a:lvl6pPr marL="502920" indent="-45720" algn="l" defTabSz="182880" rtl="0" eaLnBrk="1" latinLnBrk="0" hangingPunct="1">
+      <a:lvl6pPr marL="369143" indent="-33558" algn="l" defTabSz="134234" rtl="0" eaLnBrk="1" latinLnBrk="0" hangingPunct="1">
         <a:lnSpc>
           <a:spcPct val="90000"/>
         </a:lnSpc>
         <a:spcBef>
-          <a:spcPts val="100"/>
+          <a:spcPts val="73"/>
         </a:spcBef>
         <a:buFont typeface="Arial" panose="020B0604020202020204" pitchFamily="34" charset="0"/>
         <a:buChar char="•"/>
-        <a:defRPr sz="360" kern="1200">
+        <a:defRPr sz="264" kern="1200">
           <a:solidFill>
             <a:schemeClr val="tx1"/>
           </a:solidFill>
@@ -2807,16 +2802,16 @@
           <a:cs typeface="+mn-cs"/>
         </a:defRPr>
       </a:lvl6pPr>
-      <a:lvl7pPr marL="594360" indent="-45720" algn="l" defTabSz="182880" rtl="0" eaLnBrk="1" latinLnBrk="0" hangingPunct="1">
+      <a:lvl7pPr marL="436260" indent="-33558" algn="l" defTabSz="134234" rtl="0" eaLnBrk="1" latinLnBrk="0" hangingPunct="1">
         <a:lnSpc>
           <a:spcPct val="90000"/>
         </a:lnSpc>
         <a:spcBef>
-          <a:spcPts val="100"/>
+          <a:spcPts val="73"/>
         </a:spcBef>
         <a:buFont typeface="Arial" panose="020B0604020202020204" pitchFamily="34" charset="0"/>
         <a:buChar char="•"/>
-        <a:defRPr sz="360" kern="1200">
+        <a:defRPr sz="264" kern="1200">
           <a:solidFill>
             <a:schemeClr val="tx1"/>
           </a:solidFill>
@@ -2825,16 +2820,16 @@
           <a:cs typeface="+mn-cs"/>
         </a:defRPr>
       </a:lvl7pPr>
-      <a:lvl8pPr marL="685800" indent="-45720" algn="l" defTabSz="182880" rtl="0" eaLnBrk="1" latinLnBrk="0" hangingPunct="1">
+      <a:lvl8pPr marL="503377" indent="-33558" algn="l" defTabSz="134234" rtl="0" eaLnBrk="1" latinLnBrk="0" hangingPunct="1">
         <a:lnSpc>
           <a:spcPct val="90000"/>
         </a:lnSpc>
         <a:spcBef>
-          <a:spcPts val="100"/>
+          <a:spcPts val="73"/>
         </a:spcBef>
         <a:buFont typeface="Arial" panose="020B0604020202020204" pitchFamily="34" charset="0"/>
         <a:buChar char="•"/>
-        <a:defRPr sz="360" kern="1200">
+        <a:defRPr sz="264" kern="1200">
           <a:solidFill>
             <a:schemeClr val="tx1"/>
           </a:solidFill>
@@ -2843,16 +2838,16 @@
           <a:cs typeface="+mn-cs"/>
         </a:defRPr>
       </a:lvl8pPr>
-      <a:lvl9pPr marL="777240" indent="-45720" algn="l" defTabSz="182880" rtl="0" eaLnBrk="1" latinLnBrk="0" hangingPunct="1">
+      <a:lvl9pPr marL="570494" indent="-33558" algn="l" defTabSz="134234" rtl="0" eaLnBrk="1" latinLnBrk="0" hangingPunct="1">
         <a:lnSpc>
           <a:spcPct val="90000"/>
         </a:lnSpc>
         <a:spcBef>
-          <a:spcPts val="100"/>
+          <a:spcPts val="73"/>
         </a:spcBef>
         <a:buFont typeface="Arial" panose="020B0604020202020204" pitchFamily="34" charset="0"/>
         <a:buChar char="•"/>
-        <a:defRPr sz="360" kern="1200">
+        <a:defRPr sz="264" kern="1200">
           <a:solidFill>
             <a:schemeClr val="tx1"/>
           </a:solidFill>
@@ -2866,8 +2861,8 @@
       <a:defPPr>
         <a:defRPr lang="en-US"/>
       </a:defPPr>
-      <a:lvl1pPr marL="0" algn="l" defTabSz="182880" rtl="0" eaLnBrk="1" latinLnBrk="0" hangingPunct="1">
-        <a:defRPr sz="360" kern="1200">
+      <a:lvl1pPr marL="0" algn="l" defTabSz="134234" rtl="0" eaLnBrk="1" latinLnBrk="0" hangingPunct="1">
+        <a:defRPr sz="264" kern="1200">
           <a:solidFill>
             <a:schemeClr val="tx1"/>
           </a:solidFill>
@@ -2876,8 +2871,8 @@
           <a:cs typeface="+mn-cs"/>
         </a:defRPr>
       </a:lvl1pPr>
-      <a:lvl2pPr marL="91440" algn="l" defTabSz="182880" rtl="0" eaLnBrk="1" latinLnBrk="0" hangingPunct="1">
-        <a:defRPr sz="360" kern="1200">
+      <a:lvl2pPr marL="67117" algn="l" defTabSz="134234" rtl="0" eaLnBrk="1" latinLnBrk="0" hangingPunct="1">
+        <a:defRPr sz="264" kern="1200">
           <a:solidFill>
             <a:schemeClr val="tx1"/>
           </a:solidFill>
@@ -2886,8 +2881,8 @@
           <a:cs typeface="+mn-cs"/>
         </a:defRPr>
       </a:lvl2pPr>
-      <a:lvl3pPr marL="182880" algn="l" defTabSz="182880" rtl="0" eaLnBrk="1" latinLnBrk="0" hangingPunct="1">
-        <a:defRPr sz="360" kern="1200">
+      <a:lvl3pPr marL="134234" algn="l" defTabSz="134234" rtl="0" eaLnBrk="1" latinLnBrk="0" hangingPunct="1">
+        <a:defRPr sz="264" kern="1200">
           <a:solidFill>
             <a:schemeClr val="tx1"/>
           </a:solidFill>
@@ -2896,8 +2891,8 @@
           <a:cs typeface="+mn-cs"/>
         </a:defRPr>
       </a:lvl3pPr>
-      <a:lvl4pPr marL="274320" algn="l" defTabSz="182880" rtl="0" eaLnBrk="1" latinLnBrk="0" hangingPunct="1">
-        <a:defRPr sz="360" kern="1200">
+      <a:lvl4pPr marL="201351" algn="l" defTabSz="134234" rtl="0" eaLnBrk="1" latinLnBrk="0" hangingPunct="1">
+        <a:defRPr sz="264" kern="1200">
           <a:solidFill>
             <a:schemeClr val="tx1"/>
           </a:solidFill>
@@ -2906,8 +2901,8 @@
           <a:cs typeface="+mn-cs"/>
         </a:defRPr>
       </a:lvl4pPr>
-      <a:lvl5pPr marL="365760" algn="l" defTabSz="182880" rtl="0" eaLnBrk="1" latinLnBrk="0" hangingPunct="1">
-        <a:defRPr sz="360" kern="1200">
+      <a:lvl5pPr marL="268468" algn="l" defTabSz="134234" rtl="0" eaLnBrk="1" latinLnBrk="0" hangingPunct="1">
+        <a:defRPr sz="264" kern="1200">
           <a:solidFill>
             <a:schemeClr val="tx1"/>
           </a:solidFill>
@@ -2916,8 +2911,8 @@
           <a:cs typeface="+mn-cs"/>
         </a:defRPr>
       </a:lvl5pPr>
-      <a:lvl6pPr marL="457200" algn="l" defTabSz="182880" rtl="0" eaLnBrk="1" latinLnBrk="0" hangingPunct="1">
-        <a:defRPr sz="360" kern="1200">
+      <a:lvl6pPr marL="335585" algn="l" defTabSz="134234" rtl="0" eaLnBrk="1" latinLnBrk="0" hangingPunct="1">
+        <a:defRPr sz="264" kern="1200">
           <a:solidFill>
             <a:schemeClr val="tx1"/>
           </a:solidFill>
@@ -2926,8 +2921,8 @@
           <a:cs typeface="+mn-cs"/>
         </a:defRPr>
       </a:lvl6pPr>
-      <a:lvl7pPr marL="548640" algn="l" defTabSz="182880" rtl="0" eaLnBrk="1" latinLnBrk="0" hangingPunct="1">
-        <a:defRPr sz="360" kern="1200">
+      <a:lvl7pPr marL="402702" algn="l" defTabSz="134234" rtl="0" eaLnBrk="1" latinLnBrk="0" hangingPunct="1">
+        <a:defRPr sz="264" kern="1200">
           <a:solidFill>
             <a:schemeClr val="tx1"/>
           </a:solidFill>
@@ -2936,8 +2931,8 @@
           <a:cs typeface="+mn-cs"/>
         </a:defRPr>
       </a:lvl7pPr>
-      <a:lvl8pPr marL="640080" algn="l" defTabSz="182880" rtl="0" eaLnBrk="1" latinLnBrk="0" hangingPunct="1">
-        <a:defRPr sz="360" kern="1200">
+      <a:lvl8pPr marL="469819" algn="l" defTabSz="134234" rtl="0" eaLnBrk="1" latinLnBrk="0" hangingPunct="1">
+        <a:defRPr sz="264" kern="1200">
           <a:solidFill>
             <a:schemeClr val="tx1"/>
           </a:solidFill>
@@ -2946,8 +2941,8 @@
           <a:cs typeface="+mn-cs"/>
         </a:defRPr>
       </a:lvl8pPr>
-      <a:lvl9pPr marL="731520" algn="l" defTabSz="182880" rtl="0" eaLnBrk="1" latinLnBrk="0" hangingPunct="1">
-        <a:defRPr sz="360" kern="1200">
+      <a:lvl9pPr marL="536936" algn="l" defTabSz="134234" rtl="0" eaLnBrk="1" latinLnBrk="0" hangingPunct="1">
+        <a:defRPr sz="264" kern="1200">
           <a:solidFill>
             <a:schemeClr val="tx1"/>
           </a:solidFill>
@@ -2978,8 +2973,8 @@
           <a:chExt cx="0" cy="0"/>
         </a:xfrm>
       </p:grpSpPr>
-      <mc:AlternateContent xmlns:mc="http://schemas.openxmlformats.org/markup-compatibility/2006" xmlns:a14="http://schemas.microsoft.com/office/drawing/2010/main">
-        <mc:Choice Requires="a14">
+      <mc:AlternateContent xmlns:mc="http://schemas.openxmlformats.org/markup-compatibility/2006">
+        <mc:Choice xmlns:a14="http://schemas.microsoft.com/office/drawing/2010/main" Requires="a14">
           <p:graphicFrame>
             <p:nvGraphicFramePr>
               <p:cNvPr id="6" name="Table 5">
@@ -2995,14 +2990,14 @@
               <p:nvPr>
                 <p:extLst>
                   <p:ext uri="{D42A27DB-BD31-4B8C-83A1-F6EECF244321}">
-                    <p14:modId xmlns:p14="http://schemas.microsoft.com/office/powerpoint/2010/main" val="2045168068"/>
+                    <p14:modId xmlns:p14="http://schemas.microsoft.com/office/powerpoint/2010/main" val="4282641363"/>
                   </p:ext>
                 </p:extLst>
               </p:nvPr>
             </p:nvGraphicFramePr>
             <p:xfrm>
-              <a:off x="100023" y="126153"/>
-              <a:ext cx="7572375" cy="1119315"/>
+              <a:off x="-228397" y="-1508421"/>
+              <a:ext cx="7955193" cy="1189038"/>
             </p:xfrm>
             <a:graphic>
               <a:graphicData uri="http://schemas.openxmlformats.org/drawingml/2006/table">
@@ -3011,21 +3006,21 @@
                     <a:tableStyleId>{7E9639D4-E3E2-4D34-9284-5A2195B3D0D7}</a:tableStyleId>
                   </a:tblPr>
                   <a:tblGrid>
-                    <a:gridCol w="1771650">
+                    <a:gridCol w="2012760">
                       <a:extLst>
                         <a:ext uri="{9D8B030D-6E8A-4147-A177-3AD203B41FA5}">
                           <a16:colId xmlns:a16="http://schemas.microsoft.com/office/drawing/2014/main" val="1006317524"/>
                         </a:ext>
                       </a:extLst>
                     </a:gridCol>
-                    <a:gridCol w="4229100">
+                    <a:gridCol w="4205092">
                       <a:extLst>
                         <a:ext uri="{9D8B030D-6E8A-4147-A177-3AD203B41FA5}">
                           <a16:colId xmlns:a16="http://schemas.microsoft.com/office/drawing/2014/main" val="3979032407"/>
                         </a:ext>
                       </a:extLst>
                     </a:gridCol>
-                    <a:gridCol w="1571625">
+                    <a:gridCol w="1737341">
                       <a:extLst>
                         <a:ext uri="{9D8B030D-6E8A-4147-A177-3AD203B41FA5}">
                           <a16:colId xmlns:a16="http://schemas.microsoft.com/office/drawing/2014/main" val="3328392662"/>
@@ -3033,7 +3028,7 @@
                       </a:extLst>
                     </a:gridCol>
                   </a:tblGrid>
-                  <a:tr h="141262">
+                  <a:tr h="291407">
                     <a:tc>
                       <a:txBody>
                         <a:bodyPr/>
@@ -3049,11 +3044,17 @@
                           </a:pPr>
                           <a:r>
                             <a:rPr lang="en-US" sz="1800" b="1" dirty="0">
+                              <a:solidFill>
+                                <a:srgbClr val="F2F2F2"/>
+                              </a:solidFill>
                               <a:effectLst/>
                             </a:rPr>
                             <a:t>Hyperparameter</a:t>
                           </a:r>
                           <a:endParaRPr lang="en-US" sz="1800" b="1" dirty="0">
+                            <a:solidFill>
+                              <a:srgbClr val="F2F2F2"/>
+                            </a:solidFill>
                             <a:effectLst/>
                             <a:latin typeface="+mn-lt"/>
                             <a:ea typeface="Calibri" panose="020F0502020204030204" pitchFamily="34" charset="0"/>
@@ -3136,6 +3137,9 @@
                           </a:pPr>
                           <a:r>
                             <a:rPr lang="en-US" sz="1800" b="1" dirty="0">
+                              <a:solidFill>
+                                <a:srgbClr val="F2F2F2"/>
+                              </a:solidFill>
                               <a:effectLst/>
                               <a:latin typeface="+mn-lt"/>
                               <a:ea typeface="Calibri" panose="020F0502020204030204" pitchFamily="34" charset="0"/>
@@ -3163,7 +3167,7 @@
                       </a:ext>
                     </a:extLst>
                   </a:tr>
-                  <a:tr h="144794">
+                  <a:tr h="582815">
                     <a:tc>
                       <a:txBody>
                         <a:bodyPr/>
@@ -3183,55 +3187,51 @@
                                 <m:jc m:val="centerGroup"/>
                               </m:oMathParaPr>
                               <m:oMath xmlns:m="http://schemas.openxmlformats.org/officeDocument/2006/math">
-                                <m:sSub>
-                                  <m:sSubPr>
-                                    <m:ctrlPr>
-                                      <a:rPr lang="en-US" sz="1800" b="0" i="1" smtClean="0">
-                                        <a:latin typeface="Cambria Math" panose="02040503050406030204" pitchFamily="18" charset="0"/>
-                                      </a:rPr>
-                                    </m:ctrlPr>
-                                  </m:sSubPr>
-                                  <m:e>
-                                    <m:r>
-                                      <a:rPr lang="en-US" sz="1800" b="0" smtClean="0">
-                                        <a:latin typeface="Cambria Math" panose="02040503050406030204" pitchFamily="18" charset="0"/>
-                                      </a:rPr>
-                                      <m:t>𝑁</m:t>
-                                    </m:r>
-                                  </m:e>
-                                  <m:sub>
-                                    <m:r>
-                                      <a:rPr lang="en-US" sz="1800" b="0" i="1" smtClean="0">
-                                        <a:latin typeface="Cambria Math" panose="02040503050406030204" pitchFamily="18" charset="0"/>
-                                      </a:rPr>
-                                      <m:t>𝑚𝑖𝑛</m:t>
-                                    </m:r>
-                                    <m:r>
-                                      <a:rPr lang="en-US" sz="1800" b="0" i="1" smtClean="0">
-                                        <a:latin typeface="Cambria Math" panose="02040503050406030204" pitchFamily="18" charset="0"/>
-                                      </a:rPr>
-                                      <m:t> </m:t>
-                                    </m:r>
-                                    <m:r>
-                                      <a:rPr lang="en-US" sz="1800" b="0" i="1" smtClean="0">
-                                        <a:latin typeface="Cambria Math" panose="02040503050406030204" pitchFamily="18" charset="0"/>
-                                      </a:rPr>
-                                      <m:t>𝑠𝑎𝑚𝑝𝑙𝑒</m:t>
-                                    </m:r>
-                                    <m:r>
-                                      <a:rPr lang="en-US" sz="1800" b="0" i="1" smtClean="0">
-                                        <a:latin typeface="Cambria Math" panose="02040503050406030204" pitchFamily="18" charset="0"/>
-                                      </a:rPr>
-                                      <m:t> </m:t>
-                                    </m:r>
-                                    <m:r>
-                                      <a:rPr lang="en-US" sz="1800" b="0" i="1" smtClean="0">
-                                        <a:latin typeface="Cambria Math" panose="02040503050406030204" pitchFamily="18" charset="0"/>
-                                      </a:rPr>
-                                      <m:t>𝑠𝑝𝑙𝑖𝑡</m:t>
-                                    </m:r>
-                                  </m:sub>
-                                </m:sSub>
+                                <m:r>
+                                  <a:rPr lang="en-US" sz="1800" b="0" i="1" smtClean="0">
+                                    <a:effectLst/>
+                                    <a:latin typeface="Cambria Math" panose="02040503050406030204" pitchFamily="18" charset="0"/>
+                                    <a:ea typeface="Calibri" panose="020F0502020204030204" pitchFamily="34" charset="0"/>
+                                    <a:cs typeface="Times New Roman" panose="02020603050405020304" pitchFamily="18" charset="0"/>
+                                  </a:rPr>
+                                  <m:t>𝑚𝑖𝑛</m:t>
+                                </m:r>
+                                <m:r>
+                                  <a:rPr lang="en-US" sz="1800" b="0" i="1" smtClean="0">
+                                    <a:effectLst/>
+                                    <a:latin typeface="Cambria Math" panose="02040503050406030204" pitchFamily="18" charset="0"/>
+                                    <a:ea typeface="Calibri" panose="020F0502020204030204" pitchFamily="34" charset="0"/>
+                                    <a:cs typeface="Times New Roman" panose="02020603050405020304" pitchFamily="18" charset="0"/>
+                                  </a:rPr>
+                                  <m:t>_</m:t>
+                                </m:r>
+                                <m:r>
+                                  <a:rPr lang="en-US" sz="1800" b="0" i="1" smtClean="0">
+                                    <a:effectLst/>
+                                    <a:latin typeface="Cambria Math" panose="02040503050406030204" pitchFamily="18" charset="0"/>
+                                    <a:ea typeface="Calibri" panose="020F0502020204030204" pitchFamily="34" charset="0"/>
+                                    <a:cs typeface="Times New Roman" panose="02020603050405020304" pitchFamily="18" charset="0"/>
+                                  </a:rPr>
+                                  <m:t>𝑠𝑎𝑚𝑝𝑙𝑒</m:t>
+                                </m:r>
+                                <m:r>
+                                  <a:rPr lang="en-US" sz="1800" b="0" i="1" smtClean="0">
+                                    <a:effectLst/>
+                                    <a:latin typeface="Cambria Math" panose="02040503050406030204" pitchFamily="18" charset="0"/>
+                                    <a:ea typeface="Calibri" panose="020F0502020204030204" pitchFamily="34" charset="0"/>
+                                    <a:cs typeface="Times New Roman" panose="02020603050405020304" pitchFamily="18" charset="0"/>
+                                  </a:rPr>
+                                  <m:t>_</m:t>
+                                </m:r>
+                                <m:r>
+                                  <a:rPr lang="en-US" sz="1800" b="0" i="1" smtClean="0">
+                                    <a:effectLst/>
+                                    <a:latin typeface="Cambria Math" panose="02040503050406030204" pitchFamily="18" charset="0"/>
+                                    <a:ea typeface="Calibri" panose="020F0502020204030204" pitchFamily="34" charset="0"/>
+                                    <a:cs typeface="Times New Roman" panose="02020603050405020304" pitchFamily="18" charset="0"/>
+                                  </a:rPr>
+                                  <m:t>𝑠𝑝𝑙𝑖𝑡</m:t>
+                                </m:r>
                               </m:oMath>
                             </m:oMathPara>
                           </a14:m>
@@ -3306,7 +3306,7 @@
                         <a:bodyPr/>
                         <a:lstStyle/>
                         <a:p>
-                          <a:pPr marL="0" marR="0" algn="l">
+                          <a:pPr marL="0" marR="0" algn="ctr">
                             <a:spcBef>
                               <a:spcPts val="0"/>
                             </a:spcBef>
@@ -3321,11 +3321,11 @@
                               <a:ea typeface="Calibri" panose="020F0502020204030204" pitchFamily="34" charset="0"/>
                               <a:cs typeface="Times New Roman" panose="02020603050405020304" pitchFamily="18" charset="0"/>
                             </a:rPr>
-                            <a:t>2, 10, 20,…,200</a:t>
+                            <a:t>{2, 10, 20,…,200}</a:t>
                           </a:r>
                         </a:p>
                       </a:txBody>
-                      <a:tcPr marL="68580" marR="68580" marT="0" marB="0" anchor="ctr">
+                      <a:tcPr marL="0" marR="0" marT="0" marB="0" anchor="ctr">
                         <a:lnL w="12700" cap="flat" cmpd="sng" algn="ctr">
                           <a:solidFill>
                             <a:schemeClr val="tx1"/>
@@ -3343,7 +3343,7 @@
                       </a:ext>
                     </a:extLst>
                   </a:tr>
-                  <a:tr h="282524">
+                  <a:tr h="314816">
                     <a:tc>
                       <a:txBody>
                         <a:bodyPr/>
@@ -3363,43 +3363,33 @@
                                 <m:jc m:val="centerGroup"/>
                               </m:oMathParaPr>
                               <m:oMath xmlns:m="http://schemas.openxmlformats.org/officeDocument/2006/math">
-                                <m:sSub>
-                                  <m:sSubPr>
-                                    <m:ctrlPr>
-                                      <a:rPr lang="en-US" sz="1800" b="0" i="1" smtClean="0">
-                                        <a:latin typeface="Cambria Math" panose="02040503050406030204" pitchFamily="18" charset="0"/>
-                                      </a:rPr>
-                                    </m:ctrlPr>
-                                  </m:sSubPr>
-                                  <m:e>
-                                    <m:r>
-                                      <a:rPr lang="en-US" sz="1800" b="0" smtClean="0">
-                                        <a:latin typeface="Cambria Math" panose="02040503050406030204" pitchFamily="18" charset="0"/>
-                                      </a:rPr>
-                                      <m:t>𝑁</m:t>
-                                    </m:r>
-                                  </m:e>
-                                  <m:sub>
-                                    <m:r>
-                                      <a:rPr lang="en-US" sz="1800" b="0" i="1" smtClean="0">
-                                        <a:latin typeface="Cambria Math" panose="02040503050406030204" pitchFamily="18" charset="0"/>
-                                      </a:rPr>
-                                      <m:t>𝑚𝑎𝑥</m:t>
-                                    </m:r>
-                                    <m:r>
-                                      <a:rPr lang="en-US" sz="1800" b="0" i="1" smtClean="0">
-                                        <a:latin typeface="Cambria Math" panose="02040503050406030204" pitchFamily="18" charset="0"/>
-                                      </a:rPr>
-                                      <m:t> </m:t>
-                                    </m:r>
-                                    <m:r>
-                                      <a:rPr lang="en-US" sz="1800" b="0" i="1" smtClean="0">
-                                        <a:latin typeface="Cambria Math" panose="02040503050406030204" pitchFamily="18" charset="0"/>
-                                      </a:rPr>
-                                      <m:t>𝑓𝑒𝑎𝑡𝑢𝑟𝑒𝑠</m:t>
-                                    </m:r>
-                                  </m:sub>
-                                </m:sSub>
+                                <m:r>
+                                  <a:rPr lang="en-US" sz="1800" b="0" i="1" smtClean="0">
+                                    <a:effectLst/>
+                                    <a:latin typeface="Cambria Math" panose="02040503050406030204" pitchFamily="18" charset="0"/>
+                                    <a:ea typeface="Calibri" panose="020F0502020204030204" pitchFamily="34" charset="0"/>
+                                    <a:cs typeface="Times New Roman" panose="02020603050405020304" pitchFamily="18" charset="0"/>
+                                  </a:rPr>
+                                  <m:t>𝑚𝑎𝑥</m:t>
+                                </m:r>
+                                <m:r>
+                                  <a:rPr lang="en-US" sz="1800" b="0" i="1" smtClean="0">
+                                    <a:effectLst/>
+                                    <a:latin typeface="Cambria Math" panose="02040503050406030204" pitchFamily="18" charset="0"/>
+                                    <a:ea typeface="Calibri" panose="020F0502020204030204" pitchFamily="34" charset="0"/>
+                                    <a:cs typeface="Times New Roman" panose="02020603050405020304" pitchFamily="18" charset="0"/>
+                                  </a:rPr>
+                                  <m:t>_</m:t>
+                                </m:r>
+                                <m:r>
+                                  <a:rPr lang="en-US" sz="1800" b="0" i="1" smtClean="0">
+                                    <a:effectLst/>
+                                    <a:latin typeface="Cambria Math" panose="02040503050406030204" pitchFamily="18" charset="0"/>
+                                    <a:ea typeface="Calibri" panose="020F0502020204030204" pitchFamily="34" charset="0"/>
+                                    <a:cs typeface="Times New Roman" panose="02020603050405020304" pitchFamily="18" charset="0"/>
+                                  </a:rPr>
+                                  <m:t>𝑓𝑒𝑎𝑡𝑢𝑟𝑒𝑠</m:t>
+                                </m:r>
                               </m:oMath>
                             </m:oMathPara>
                           </a14:m>
@@ -3476,7 +3466,7 @@
                         <a:bodyPr/>
                         <a:lstStyle/>
                         <a:p>
-                          <a:pPr marL="0" marR="0" algn="l">
+                          <a:pPr marL="0" marR="0" algn="ctr">
                             <a:spcBef>
                               <a:spcPts val="0"/>
                             </a:spcBef>
@@ -3491,11 +3481,11 @@
                               <a:ea typeface="Calibri" panose="020F0502020204030204" pitchFamily="34" charset="0"/>
                               <a:cs typeface="Times New Roman" panose="02020603050405020304" pitchFamily="18" charset="0"/>
                             </a:rPr>
-                            <a:t>2, 3, 4, 5</a:t>
+                            <a:t>{2, 3, 4, 5}</a:t>
                           </a:r>
                         </a:p>
                       </a:txBody>
-                      <a:tcPr marL="68580" marR="68580" marT="0" marB="0" anchor="ctr">
+                      <a:tcPr marL="0" marR="0" marT="0" marB="0" anchor="ctr">
                         <a:lnL w="12700" cap="flat" cmpd="sng" algn="ctr">
                           <a:solidFill>
                             <a:schemeClr val="tx1"/>
@@ -3518,7 +3508,7 @@
             </a:graphic>
           </p:graphicFrame>
         </mc:Choice>
-        <mc:Fallback xmlns="">
+        <mc:Fallback>
           <p:graphicFrame>
             <p:nvGraphicFramePr>
               <p:cNvPr id="6" name="Table 5">
@@ -3534,14 +3524,14 @@
               <p:nvPr>
                 <p:extLst>
                   <p:ext uri="{D42A27DB-BD31-4B8C-83A1-F6EECF244321}">
-                    <p14:modId xmlns:p14="http://schemas.microsoft.com/office/powerpoint/2010/main" val="2045168068"/>
+                    <p14:modId xmlns:p14="http://schemas.microsoft.com/office/powerpoint/2010/main" val="4282641363"/>
                   </p:ext>
                 </p:extLst>
               </p:nvPr>
             </p:nvGraphicFramePr>
             <p:xfrm>
-              <a:off x="100023" y="126153"/>
-              <a:ext cx="7572375" cy="1119315"/>
+              <a:off x="-228397" y="-1508421"/>
+              <a:ext cx="7955193" cy="1189038"/>
             </p:xfrm>
             <a:graphic>
               <a:graphicData uri="http://schemas.openxmlformats.org/drawingml/2006/table">
@@ -3550,21 +3540,21 @@
                     <a:tableStyleId>{7E9639D4-E3E2-4D34-9284-5A2195B3D0D7}</a:tableStyleId>
                   </a:tblPr>
                   <a:tblGrid>
-                    <a:gridCol w="1771650">
+                    <a:gridCol w="2012760">
                       <a:extLst>
                         <a:ext uri="{9D8B030D-6E8A-4147-A177-3AD203B41FA5}">
                           <a16:colId xmlns:a16="http://schemas.microsoft.com/office/drawing/2014/main" val="1006317524"/>
                         </a:ext>
                       </a:extLst>
                     </a:gridCol>
-                    <a:gridCol w="4229100">
+                    <a:gridCol w="4205092">
                       <a:extLst>
                         <a:ext uri="{9D8B030D-6E8A-4147-A177-3AD203B41FA5}">
                           <a16:colId xmlns:a16="http://schemas.microsoft.com/office/drawing/2014/main" val="3979032407"/>
                         </a:ext>
                       </a:extLst>
                     </a:gridCol>
-                    <a:gridCol w="1571625">
+                    <a:gridCol w="1737341">
                       <a:extLst>
                         <a:ext uri="{9D8B030D-6E8A-4147-A177-3AD203B41FA5}">
                           <a16:colId xmlns:a16="http://schemas.microsoft.com/office/drawing/2014/main" val="3328392662"/>
@@ -3572,7 +3562,7 @@
                       </a:extLst>
                     </a:gridCol>
                   </a:tblGrid>
-                  <a:tr h="274320">
+                  <a:tr h="291407">
                     <a:tc>
                       <a:txBody>
                         <a:bodyPr/>
@@ -3588,11 +3578,17 @@
                           </a:pPr>
                           <a:r>
                             <a:rPr lang="en-US" sz="1800" b="1" dirty="0">
+                              <a:solidFill>
+                                <a:srgbClr val="F2F2F2"/>
+                              </a:solidFill>
                               <a:effectLst/>
                             </a:rPr>
                             <a:t>Hyperparameter</a:t>
                           </a:r>
                           <a:endParaRPr lang="en-US" sz="1800" b="1" dirty="0">
+                            <a:solidFill>
+                              <a:srgbClr val="F2F2F2"/>
+                            </a:solidFill>
                             <a:effectLst/>
                             <a:latin typeface="+mn-lt"/>
                             <a:ea typeface="Calibri" panose="020F0502020204030204" pitchFamily="34" charset="0"/>
@@ -3675,6 +3671,9 @@
                           </a:pPr>
                           <a:r>
                             <a:rPr lang="en-US" sz="1800" b="1" dirty="0">
+                              <a:solidFill>
+                                <a:srgbClr val="F2F2F2"/>
+                              </a:solidFill>
                               <a:effectLst/>
                               <a:latin typeface="+mn-lt"/>
                               <a:ea typeface="Calibri" panose="020F0502020204030204" pitchFamily="34" charset="0"/>
@@ -3702,7 +3701,7 @@
                       </a:ext>
                     </a:extLst>
                   </a:tr>
-                  <a:tr h="548640">
+                  <a:tr h="582815">
                     <a:tc>
                       <a:txBody>
                         <a:bodyPr/>
@@ -3724,7 +3723,7 @@
                         <a:blipFill>
                           <a:blip r:embed="rId2"/>
                           <a:stretch>
-                            <a:fillRect l="-344" t="-62637" r="-327491" b="-76923"/>
+                            <a:fillRect t="-62500" r="-296061" b="-75000"/>
                           </a:stretch>
                         </a:blipFill>
                       </a:tcPr>
@@ -3780,7 +3779,7 @@
                         <a:bodyPr/>
                         <a:lstStyle/>
                         <a:p>
-                          <a:pPr marL="0" marR="0" algn="l">
+                          <a:pPr marL="0" marR="0" algn="ctr">
                             <a:spcBef>
                               <a:spcPts val="0"/>
                             </a:spcBef>
@@ -3795,11 +3794,11 @@
                               <a:ea typeface="Calibri" panose="020F0502020204030204" pitchFamily="34" charset="0"/>
                               <a:cs typeface="Times New Roman" panose="02020603050405020304" pitchFamily="18" charset="0"/>
                             </a:rPr>
-                            <a:t>2, 10, 20,…,200</a:t>
+                            <a:t>{2, 10, 20,…,200}</a:t>
                           </a:r>
                         </a:p>
                       </a:txBody>
-                      <a:tcPr marL="68580" marR="68580" marT="0" marB="0" anchor="ctr">
+                      <a:tcPr marL="0" marR="0" marT="0" marB="0" anchor="ctr">
                         <a:lnL w="12700" cap="flat" cmpd="sng" algn="ctr">
                           <a:solidFill>
                             <a:schemeClr val="tx1"/>
@@ -3817,7 +3816,7 @@
                       </a:ext>
                     </a:extLst>
                   </a:tr>
-                  <a:tr h="296355">
+                  <a:tr h="314816">
                     <a:tc>
                       <a:txBody>
                         <a:bodyPr/>
@@ -3839,7 +3838,7 @@
                         <a:blipFill>
                           <a:blip r:embed="rId2"/>
                           <a:stretch>
-                            <a:fillRect l="-344" t="-302041" r="-327491" b="-42857"/>
+                            <a:fillRect t="-300000" r="-296061" b="-38462"/>
                           </a:stretch>
                         </a:blipFill>
                       </a:tcPr>
@@ -3897,7 +3896,7 @@
                         <a:bodyPr/>
                         <a:lstStyle/>
                         <a:p>
-                          <a:pPr marL="0" marR="0" algn="l">
+                          <a:pPr marL="0" marR="0" algn="ctr">
                             <a:spcBef>
                               <a:spcPts val="0"/>
                             </a:spcBef>
@@ -3912,11 +3911,11 @@
                               <a:ea typeface="Calibri" panose="020F0502020204030204" pitchFamily="34" charset="0"/>
                               <a:cs typeface="Times New Roman" panose="02020603050405020304" pitchFamily="18" charset="0"/>
                             </a:rPr>
-                            <a:t>2, 3, 4, 5</a:t>
+                            <a:t>{2, 3, 4, 5}</a:t>
                           </a:r>
                         </a:p>
                       </a:txBody>
-                      <a:tcPr marL="68580" marR="68580" marT="0" marB="0" anchor="ctr">
+                      <a:tcPr marL="0" marR="0" marT="0" marB="0" anchor="ctr">
                         <a:lnL w="12700" cap="flat" cmpd="sng" algn="ctr">
                           <a:solidFill>
                             <a:schemeClr val="tx1"/>
